--- a/GoLangMaxProc.pptx
+++ b/GoLangMaxProc.pptx
@@ -3230,11 +3230,7 @@
           <a:p>
             <a:r>
               <a:rPr lang="en-US" dirty="0"/>
-              <a:t>Scaling and Setting GOMAXPROC</a:t>
-            </a:r>
-            <a:r>
-              <a:rPr lang="en-US"/>
-              <a:t>, leveraging Cursor AI</a:t>
+              <a:t>Scaling and Setting GOMAXPROC, leveraging Cursor AI</a:t>
             </a:r>
           </a:p>
           <a:p>
@@ -3248,7 +3244,19 @@
             </a:r>
             <a:r>
               <a:rPr lang="en-US" dirty="0" err="1"/>
-              <a:t>gwest@reedhat.com</a:t>
+              <a:t>gwest</a:t>
+            </a:r>
+            <a:r>
+              <a:rPr lang="en-US" err="1"/>
+              <a:t>@</a:t>
+            </a:r>
+            <a:r>
+              <a:rPr lang="en-US"/>
+              <a:t>redhat</a:t>
+            </a:r>
+            <a:r>
+              <a:rPr lang="en-US" dirty="0" err="1"/>
+              <a:t>.com</a:t>
             </a:r>
             <a:r>
               <a:rPr lang="en-US" dirty="0"/>
